--- a/CS3D3_Project2_Slides_Group15.pptx
+++ b/CS3D3_Project2_Slides_Group15.pptx
@@ -211,7 +211,7 @@
           <a:p>
             <a:fld id="{C8D18E60-4300-4729-A0D7-6AB984C3922D}" type="datetimeFigureOut">
               <a:rPr lang="en-US" smtClean="0"/>
-              <a:t>4/7/2019</a:t>
+              <a:t>4/8/19</a:t>
             </a:fld>
             <a:endParaRPr lang="en-US"/>
           </a:p>
@@ -697,7 +697,7 @@
             <a:fld id="{53074F12-AA26-4AC8-9962-C36BB8F32554}" type="datetimeFigureOut">
               <a:rPr lang="en-US" smtClean="0"/>
               <a:pPr/>
-              <a:t>4/7/2019</a:t>
+              <a:t>4/8/19</a:t>
             </a:fld>
             <a:endParaRPr lang="en-US"/>
           </a:p>
@@ -951,7 +951,7 @@
             <a:fld id="{53074F12-AA26-4AC8-9962-C36BB8F32554}" type="datetimeFigureOut">
               <a:rPr lang="en-US" smtClean="0"/>
               <a:pPr/>
-              <a:t>4/7/2019</a:t>
+              <a:t>4/8/19</a:t>
             </a:fld>
             <a:endParaRPr lang="en-US"/>
           </a:p>
@@ -1121,7 +1121,7 @@
             <a:fld id="{53074F12-AA26-4AC8-9962-C36BB8F32554}" type="datetimeFigureOut">
               <a:rPr lang="en-US" smtClean="0"/>
               <a:pPr/>
-              <a:t>4/7/2019</a:t>
+              <a:t>4/8/19</a:t>
             </a:fld>
             <a:endParaRPr lang="en-US"/>
           </a:p>
@@ -1301,7 +1301,7 @@
             <a:fld id="{53074F12-AA26-4AC8-9962-C36BB8F32554}" type="datetimeFigureOut">
               <a:rPr lang="en-US" smtClean="0"/>
               <a:pPr/>
-              <a:t>4/7/2019</a:t>
+              <a:t>4/8/19</a:t>
             </a:fld>
             <a:endParaRPr lang="en-US"/>
           </a:p>
@@ -1583,7 +1583,7 @@
             <a:fld id="{53074F12-AA26-4AC8-9962-C36BB8F32554}" type="datetimeFigureOut">
               <a:rPr lang="en-US" smtClean="0"/>
               <a:pPr/>
-              <a:t>4/7/2019</a:t>
+              <a:t>4/8/19</a:t>
             </a:fld>
             <a:endParaRPr lang="en-US"/>
           </a:p>
@@ -1830,7 +1830,7 @@
             <a:fld id="{53074F12-AA26-4AC8-9962-C36BB8F32554}" type="datetimeFigureOut">
               <a:rPr lang="en-US" smtClean="0"/>
               <a:pPr/>
-              <a:t>4/7/2019</a:t>
+              <a:t>4/8/19</a:t>
             </a:fld>
             <a:endParaRPr lang="en-US"/>
           </a:p>
@@ -2077,7 +2077,7 @@
             <a:fld id="{53074F12-AA26-4AC8-9962-C36BB8F32554}" type="datetimeFigureOut">
               <a:rPr lang="en-US" smtClean="0"/>
               <a:pPr/>
-              <a:t>4/7/2019</a:t>
+              <a:t>4/8/19</a:t>
             </a:fld>
             <a:endParaRPr lang="en-US"/>
           </a:p>
@@ -2364,7 +2364,7 @@
             <a:fld id="{53074F12-AA26-4AC8-9962-C36BB8F32554}" type="datetimeFigureOut">
               <a:rPr lang="en-US" smtClean="0"/>
               <a:pPr/>
-              <a:t>4/7/2019</a:t>
+              <a:t>4/8/19</a:t>
             </a:fld>
             <a:endParaRPr lang="en-US"/>
           </a:p>
@@ -2851,7 +2851,7 @@
             <a:fld id="{53074F12-AA26-4AC8-9962-C36BB8F32554}" type="datetimeFigureOut">
               <a:rPr lang="en-US" smtClean="0"/>
               <a:pPr/>
-              <a:t>4/7/2019</a:t>
+              <a:t>4/8/19</a:t>
             </a:fld>
             <a:endParaRPr lang="en-US"/>
           </a:p>
@@ -2970,7 +2970,7 @@
             <a:fld id="{53074F12-AA26-4AC8-9962-C36BB8F32554}" type="datetimeFigureOut">
               <a:rPr lang="en-US" smtClean="0"/>
               <a:pPr/>
-              <a:t>4/7/2019</a:t>
+              <a:t>4/8/19</a:t>
             </a:fld>
             <a:endParaRPr lang="en-US"/>
           </a:p>
@@ -3067,7 +3067,7 @@
             <a:fld id="{53074F12-AA26-4AC8-9962-C36BB8F32554}" type="datetimeFigureOut">
               <a:rPr lang="en-US" smtClean="0"/>
               <a:pPr/>
-              <a:t>4/7/2019</a:t>
+              <a:t>4/8/19</a:t>
             </a:fld>
             <a:endParaRPr lang="en-US"/>
           </a:p>
@@ -3344,7 +3344,7 @@
             <a:fld id="{53074F12-AA26-4AC8-9962-C36BB8F32554}" type="datetimeFigureOut">
               <a:rPr lang="en-US" smtClean="0"/>
               <a:pPr/>
-              <a:t>4/7/2019</a:t>
+              <a:t>4/8/19</a:t>
             </a:fld>
             <a:endParaRPr lang="en-US"/>
           </a:p>
@@ -3566,7 +3566,7 @@
             <a:fld id="{53074F12-AA26-4AC8-9962-C36BB8F32554}" type="datetimeFigureOut">
               <a:rPr lang="en-US" smtClean="0"/>
               <a:pPr/>
-              <a:t>4/7/2019</a:t>
+              <a:t>4/8/19</a:t>
             </a:fld>
             <a:endParaRPr lang="en-US"/>
           </a:p>
@@ -4250,7 +4250,7 @@
             </a:r>
             <a:r>
               <a:rPr lang="en-US" sz="2000" dirty="0"/>
-              <a:t> Jain, Derry O’Donovan</a:t>
+              <a:t> Jain</a:t>
             </a:r>
           </a:p>
         </p:txBody>
@@ -4844,6 +4844,406 @@
   <p:clrMapOvr>
     <a:masterClrMapping/>
   </p:clrMapOvr>
+  <p:timing>
+    <p:tnLst>
+      <p:par>
+        <p:cTn id="1" dur="indefinite" restart="never" nodeType="tmRoot">
+          <p:childTnLst>
+            <p:seq concurrent="1" nextAc="seek">
+              <p:cTn id="2" dur="indefinite" nodeType="mainSeq">
+                <p:childTnLst>
+                  <p:par>
+                    <p:cTn id="3" fill="hold">
+                      <p:stCondLst>
+                        <p:cond delay="indefinite"/>
+                      </p:stCondLst>
+                      <p:childTnLst>
+                        <p:par>
+                          <p:cTn id="4" fill="hold">
+                            <p:stCondLst>
+                              <p:cond delay="0"/>
+                            </p:stCondLst>
+                            <p:childTnLst>
+                              <p:par>
+                                <p:cTn id="5" presetID="1" presetClass="entr" presetSubtype="0" fill="hold" nodeType="clickEffect">
+                                  <p:stCondLst>
+                                    <p:cond delay="0"/>
+                                  </p:stCondLst>
+                                  <p:childTnLst>
+                                    <p:set>
+                                      <p:cBhvr>
+                                        <p:cTn id="6" dur="1" fill="hold">
+                                          <p:stCondLst>
+                                            <p:cond delay="0"/>
+                                          </p:stCondLst>
+                                        </p:cTn>
+                                        <p:tgtEl>
+                                          <p:spTgt spid="3">
+                                            <p:txEl>
+                                              <p:pRg st="0" end="0"/>
+                                            </p:txEl>
+                                          </p:spTgt>
+                                        </p:tgtEl>
+                                        <p:attrNameLst>
+                                          <p:attrName>style.visibility</p:attrName>
+                                        </p:attrNameLst>
+                                      </p:cBhvr>
+                                      <p:to>
+                                        <p:strVal val="visible"/>
+                                      </p:to>
+                                    </p:set>
+                                  </p:childTnLst>
+                                </p:cTn>
+                              </p:par>
+                            </p:childTnLst>
+                          </p:cTn>
+                        </p:par>
+                      </p:childTnLst>
+                    </p:cTn>
+                  </p:par>
+                  <p:par>
+                    <p:cTn id="7" fill="hold">
+                      <p:stCondLst>
+                        <p:cond delay="indefinite"/>
+                      </p:stCondLst>
+                      <p:childTnLst>
+                        <p:par>
+                          <p:cTn id="8" fill="hold">
+                            <p:stCondLst>
+                              <p:cond delay="0"/>
+                            </p:stCondLst>
+                            <p:childTnLst>
+                              <p:par>
+                                <p:cTn id="9" presetID="1" presetClass="entr" presetSubtype="0" fill="hold" nodeType="clickEffect">
+                                  <p:stCondLst>
+                                    <p:cond delay="0"/>
+                                  </p:stCondLst>
+                                  <p:childTnLst>
+                                    <p:set>
+                                      <p:cBhvr>
+                                        <p:cTn id="10" dur="1" fill="hold">
+                                          <p:stCondLst>
+                                            <p:cond delay="0"/>
+                                          </p:stCondLst>
+                                        </p:cTn>
+                                        <p:tgtEl>
+                                          <p:spTgt spid="3">
+                                            <p:txEl>
+                                              <p:pRg st="1" end="1"/>
+                                            </p:txEl>
+                                          </p:spTgt>
+                                        </p:tgtEl>
+                                        <p:attrNameLst>
+                                          <p:attrName>style.visibility</p:attrName>
+                                        </p:attrNameLst>
+                                      </p:cBhvr>
+                                      <p:to>
+                                        <p:strVal val="visible"/>
+                                      </p:to>
+                                    </p:set>
+                                  </p:childTnLst>
+                                </p:cTn>
+                              </p:par>
+                            </p:childTnLst>
+                          </p:cTn>
+                        </p:par>
+                      </p:childTnLst>
+                    </p:cTn>
+                  </p:par>
+                  <p:par>
+                    <p:cTn id="11" fill="hold">
+                      <p:stCondLst>
+                        <p:cond delay="indefinite"/>
+                      </p:stCondLst>
+                      <p:childTnLst>
+                        <p:par>
+                          <p:cTn id="12" fill="hold">
+                            <p:stCondLst>
+                              <p:cond delay="0"/>
+                            </p:stCondLst>
+                            <p:childTnLst>
+                              <p:par>
+                                <p:cTn id="13" presetID="1" presetClass="entr" presetSubtype="0" fill="hold" nodeType="clickEffect">
+                                  <p:stCondLst>
+                                    <p:cond delay="0"/>
+                                  </p:stCondLst>
+                                  <p:childTnLst>
+                                    <p:set>
+                                      <p:cBhvr>
+                                        <p:cTn id="14" dur="1" fill="hold">
+                                          <p:stCondLst>
+                                            <p:cond delay="0"/>
+                                          </p:stCondLst>
+                                        </p:cTn>
+                                        <p:tgtEl>
+                                          <p:spTgt spid="3">
+                                            <p:txEl>
+                                              <p:pRg st="2" end="2"/>
+                                            </p:txEl>
+                                          </p:spTgt>
+                                        </p:tgtEl>
+                                        <p:attrNameLst>
+                                          <p:attrName>style.visibility</p:attrName>
+                                        </p:attrNameLst>
+                                      </p:cBhvr>
+                                      <p:to>
+                                        <p:strVal val="visible"/>
+                                      </p:to>
+                                    </p:set>
+                                  </p:childTnLst>
+                                </p:cTn>
+                              </p:par>
+                              <p:par>
+                                <p:cTn id="15" presetID="1" presetClass="entr" presetSubtype="0" fill="hold" nodeType="withEffect">
+                                  <p:stCondLst>
+                                    <p:cond delay="0"/>
+                                  </p:stCondLst>
+                                  <p:childTnLst>
+                                    <p:set>
+                                      <p:cBhvr>
+                                        <p:cTn id="16" dur="1" fill="hold">
+                                          <p:stCondLst>
+                                            <p:cond delay="0"/>
+                                          </p:stCondLst>
+                                        </p:cTn>
+                                        <p:tgtEl>
+                                          <p:spTgt spid="4"/>
+                                        </p:tgtEl>
+                                        <p:attrNameLst>
+                                          <p:attrName>style.visibility</p:attrName>
+                                        </p:attrNameLst>
+                                      </p:cBhvr>
+                                      <p:to>
+                                        <p:strVal val="visible"/>
+                                      </p:to>
+                                    </p:set>
+                                  </p:childTnLst>
+                                </p:cTn>
+                              </p:par>
+                            </p:childTnLst>
+                          </p:cTn>
+                        </p:par>
+                      </p:childTnLst>
+                    </p:cTn>
+                  </p:par>
+                  <p:par>
+                    <p:cTn id="17" fill="hold">
+                      <p:stCondLst>
+                        <p:cond delay="indefinite"/>
+                      </p:stCondLst>
+                      <p:childTnLst>
+                        <p:par>
+                          <p:cTn id="18" fill="hold">
+                            <p:stCondLst>
+                              <p:cond delay="0"/>
+                            </p:stCondLst>
+                            <p:childTnLst>
+                              <p:par>
+                                <p:cTn id="19" presetID="1" presetClass="entr" presetSubtype="0" fill="hold" nodeType="clickEffect">
+                                  <p:stCondLst>
+                                    <p:cond delay="0"/>
+                                  </p:stCondLst>
+                                  <p:childTnLst>
+                                    <p:set>
+                                      <p:cBhvr>
+                                        <p:cTn id="20" dur="1" fill="hold">
+                                          <p:stCondLst>
+                                            <p:cond delay="0"/>
+                                          </p:stCondLst>
+                                        </p:cTn>
+                                        <p:tgtEl>
+                                          <p:spTgt spid="3">
+                                            <p:txEl>
+                                              <p:pRg st="6" end="6"/>
+                                            </p:txEl>
+                                          </p:spTgt>
+                                        </p:tgtEl>
+                                        <p:attrNameLst>
+                                          <p:attrName>style.visibility</p:attrName>
+                                        </p:attrNameLst>
+                                      </p:cBhvr>
+                                      <p:to>
+                                        <p:strVal val="visible"/>
+                                      </p:to>
+                                    </p:set>
+                                  </p:childTnLst>
+                                </p:cTn>
+                              </p:par>
+                            </p:childTnLst>
+                          </p:cTn>
+                        </p:par>
+                      </p:childTnLst>
+                    </p:cTn>
+                  </p:par>
+                  <p:par>
+                    <p:cTn id="21" fill="hold">
+                      <p:stCondLst>
+                        <p:cond delay="indefinite"/>
+                      </p:stCondLst>
+                      <p:childTnLst>
+                        <p:par>
+                          <p:cTn id="22" fill="hold">
+                            <p:stCondLst>
+                              <p:cond delay="0"/>
+                            </p:stCondLst>
+                            <p:childTnLst>
+                              <p:par>
+                                <p:cTn id="23" presetID="1" presetClass="entr" presetSubtype="0" fill="hold" nodeType="clickEffect">
+                                  <p:stCondLst>
+                                    <p:cond delay="0"/>
+                                  </p:stCondLst>
+                                  <p:childTnLst>
+                                    <p:set>
+                                      <p:cBhvr>
+                                        <p:cTn id="24" dur="1" fill="hold">
+                                          <p:stCondLst>
+                                            <p:cond delay="0"/>
+                                          </p:stCondLst>
+                                        </p:cTn>
+                                        <p:tgtEl>
+                                          <p:spTgt spid="3">
+                                            <p:txEl>
+                                              <p:pRg st="7" end="7"/>
+                                            </p:txEl>
+                                          </p:spTgt>
+                                        </p:tgtEl>
+                                        <p:attrNameLst>
+                                          <p:attrName>style.visibility</p:attrName>
+                                        </p:attrNameLst>
+                                      </p:cBhvr>
+                                      <p:to>
+                                        <p:strVal val="visible"/>
+                                      </p:to>
+                                    </p:set>
+                                  </p:childTnLst>
+                                </p:cTn>
+                              </p:par>
+                            </p:childTnLst>
+                          </p:cTn>
+                        </p:par>
+                      </p:childTnLst>
+                    </p:cTn>
+                  </p:par>
+                  <p:par>
+                    <p:cTn id="25" fill="hold">
+                      <p:stCondLst>
+                        <p:cond delay="indefinite"/>
+                      </p:stCondLst>
+                      <p:childTnLst>
+                        <p:par>
+                          <p:cTn id="26" fill="hold">
+                            <p:stCondLst>
+                              <p:cond delay="0"/>
+                            </p:stCondLst>
+                            <p:childTnLst>
+                              <p:par>
+                                <p:cTn id="27" presetID="1" presetClass="entr" presetSubtype="0" fill="hold" nodeType="clickEffect">
+                                  <p:stCondLst>
+                                    <p:cond delay="0"/>
+                                  </p:stCondLst>
+                                  <p:childTnLst>
+                                    <p:set>
+                                      <p:cBhvr>
+                                        <p:cTn id="28" dur="1" fill="hold">
+                                          <p:stCondLst>
+                                            <p:cond delay="0"/>
+                                          </p:stCondLst>
+                                        </p:cTn>
+                                        <p:tgtEl>
+                                          <p:spTgt spid="3">
+                                            <p:txEl>
+                                              <p:pRg st="8" end="8"/>
+                                            </p:txEl>
+                                          </p:spTgt>
+                                        </p:tgtEl>
+                                        <p:attrNameLst>
+                                          <p:attrName>style.visibility</p:attrName>
+                                        </p:attrNameLst>
+                                      </p:cBhvr>
+                                      <p:to>
+                                        <p:strVal val="visible"/>
+                                      </p:to>
+                                    </p:set>
+                                  </p:childTnLst>
+                                </p:cTn>
+                              </p:par>
+                            </p:childTnLst>
+                          </p:cTn>
+                        </p:par>
+                      </p:childTnLst>
+                    </p:cTn>
+                  </p:par>
+                  <p:par>
+                    <p:cTn id="29" fill="hold">
+                      <p:stCondLst>
+                        <p:cond delay="indefinite"/>
+                      </p:stCondLst>
+                      <p:childTnLst>
+                        <p:par>
+                          <p:cTn id="30" fill="hold">
+                            <p:stCondLst>
+                              <p:cond delay="0"/>
+                            </p:stCondLst>
+                            <p:childTnLst>
+                              <p:par>
+                                <p:cTn id="31" presetID="1" presetClass="entr" presetSubtype="0" fill="hold" nodeType="clickEffect">
+                                  <p:stCondLst>
+                                    <p:cond delay="0"/>
+                                  </p:stCondLst>
+                                  <p:childTnLst>
+                                    <p:set>
+                                      <p:cBhvr>
+                                        <p:cTn id="32" dur="1" fill="hold">
+                                          <p:stCondLst>
+                                            <p:cond delay="0"/>
+                                          </p:stCondLst>
+                                        </p:cTn>
+                                        <p:tgtEl>
+                                          <p:spTgt spid="3">
+                                            <p:txEl>
+                                              <p:pRg st="9" end="9"/>
+                                            </p:txEl>
+                                          </p:spTgt>
+                                        </p:tgtEl>
+                                        <p:attrNameLst>
+                                          <p:attrName>style.visibility</p:attrName>
+                                        </p:attrNameLst>
+                                      </p:cBhvr>
+                                      <p:to>
+                                        <p:strVal val="visible"/>
+                                      </p:to>
+                                    </p:set>
+                                  </p:childTnLst>
+                                </p:cTn>
+                              </p:par>
+                            </p:childTnLst>
+                          </p:cTn>
+                        </p:par>
+                      </p:childTnLst>
+                    </p:cTn>
+                  </p:par>
+                </p:childTnLst>
+              </p:cTn>
+              <p:prevCondLst>
+                <p:cond evt="onPrev" delay="0">
+                  <p:tgtEl>
+                    <p:sldTgt/>
+                  </p:tgtEl>
+                </p:cond>
+              </p:prevCondLst>
+              <p:nextCondLst>
+                <p:cond evt="onNext" delay="0">
+                  <p:tgtEl>
+                    <p:sldTgt/>
+                  </p:tgtEl>
+                </p:cond>
+              </p:nextCondLst>
+            </p:seq>
+          </p:childTnLst>
+        </p:cTn>
+      </p:par>
+    </p:tnLst>
+  </p:timing>
 </p:sld>
 </file>
 
@@ -4948,22 +5348,175 @@
             <a:pPr lvl="1"/>
             <a:r>
               <a:rPr lang="en-IE" sz="1800" dirty="0"/>
-              <a:t>Using the C++ Boost library.</a:t>
+              <a:t>Using the C++ </a:t>
+            </a:r>
+            <a:r>
+              <a:rPr lang="en-IE" sz="1800" b="1" dirty="0"/>
+              <a:t>Boost</a:t>
+            </a:r>
+            <a:r>
+              <a:rPr lang="en-IE" sz="1800" dirty="0"/>
+              <a:t> library.</a:t>
             </a:r>
           </a:p>
           <a:p>
             <a:pPr lvl="1"/>
             <a:r>
               <a:rPr lang="en-IE" sz="1800" dirty="0"/>
-              <a:t>Using Shell scripts to run a program</a:t>
+              <a:t>Using </a:t>
+            </a:r>
+            <a:r>
+              <a:rPr lang="en-IE" sz="1800" b="1" dirty="0"/>
+              <a:t>Shell scripts </a:t>
+            </a:r>
+            <a:r>
+              <a:rPr lang="en-IE" sz="1800" dirty="0"/>
+              <a:t>to run a program</a:t>
             </a:r>
           </a:p>
           <a:p>
             <a:pPr lvl="1"/>
+            <a:r>
+              <a:rPr lang="en-IE" sz="1800" dirty="0"/>
+              <a:t>Using </a:t>
+            </a:r>
+            <a:r>
+              <a:rPr lang="en-IE" sz="1800" b="1" dirty="0"/>
+              <a:t>Git</a:t>
+            </a:r>
+            <a:r>
+              <a:rPr lang="en-IE" sz="1800" dirty="0"/>
+              <a:t> in a team</a:t>
+            </a:r>
+          </a:p>
+          <a:p>
+            <a:pPr marL="457200" lvl="1" indent="0">
+              <a:buNone/>
+            </a:pPr>
             <a:endParaRPr lang="en-IE" sz="1800" dirty="0"/>
           </a:p>
         </p:txBody>
       </p:sp>
+      <p:pic>
+        <p:nvPicPr>
+          <p:cNvPr id="5" name="Picture 4">
+            <a:extLst>
+              <a:ext uri="{FF2B5EF4-FFF2-40B4-BE49-F238E27FC236}">
+                <a16:creationId xmlns:a16="http://schemas.microsoft.com/office/drawing/2014/main" id="{B37DF452-7F06-C242-A78D-21804529DABF}"/>
+              </a:ext>
+            </a:extLst>
+          </p:cNvPr>
+          <p:cNvPicPr>
+            <a:picLocks noChangeAspect="1"/>
+          </p:cNvPicPr>
+          <p:nvPr/>
+        </p:nvPicPr>
+        <p:blipFill>
+          <a:blip r:embed="rId2"/>
+          <a:stretch>
+            <a:fillRect/>
+          </a:stretch>
+        </p:blipFill>
+        <p:spPr>
+          <a:xfrm>
+            <a:off x="6299195" y="1764762"/>
+            <a:ext cx="2310778" cy="720025"/>
+          </a:xfrm>
+          <a:prstGeom prst="rect">
+            <a:avLst/>
+          </a:prstGeom>
+        </p:spPr>
+      </p:pic>
+      <p:pic>
+        <p:nvPicPr>
+          <p:cNvPr id="6" name="Picture 5">
+            <a:extLst>
+              <a:ext uri="{FF2B5EF4-FFF2-40B4-BE49-F238E27FC236}">
+                <a16:creationId xmlns:a16="http://schemas.microsoft.com/office/drawing/2014/main" id="{78C4B4FF-3A96-9A4C-93CC-A6764D37F6DE}"/>
+              </a:ext>
+            </a:extLst>
+          </p:cNvPr>
+          <p:cNvPicPr>
+            <a:picLocks noChangeAspect="1"/>
+          </p:cNvPicPr>
+          <p:nvPr/>
+        </p:nvPicPr>
+        <p:blipFill>
+          <a:blip r:embed="rId3"/>
+          <a:stretch>
+            <a:fillRect/>
+          </a:stretch>
+        </p:blipFill>
+        <p:spPr>
+          <a:xfrm>
+            <a:off x="5123752" y="1483551"/>
+            <a:ext cx="3911524" cy="2571750"/>
+          </a:xfrm>
+          <a:prstGeom prst="rect">
+            <a:avLst/>
+          </a:prstGeom>
+        </p:spPr>
+      </p:pic>
+      <p:pic>
+        <p:nvPicPr>
+          <p:cNvPr id="4" name="Picture 3">
+            <a:extLst>
+              <a:ext uri="{FF2B5EF4-FFF2-40B4-BE49-F238E27FC236}">
+                <a16:creationId xmlns:a16="http://schemas.microsoft.com/office/drawing/2014/main" id="{96600CF0-6DF8-6A40-9BBD-2861EDB1C4FC}"/>
+              </a:ext>
+            </a:extLst>
+          </p:cNvPr>
+          <p:cNvPicPr>
+            <a:picLocks noChangeAspect="1"/>
+          </p:cNvPicPr>
+          <p:nvPr/>
+        </p:nvPicPr>
+        <p:blipFill>
+          <a:blip r:embed="rId4"/>
+          <a:stretch>
+            <a:fillRect/>
+          </a:stretch>
+        </p:blipFill>
+        <p:spPr>
+          <a:xfrm>
+            <a:off x="4797992" y="1851476"/>
+            <a:ext cx="4237284" cy="1829043"/>
+          </a:xfrm>
+          <a:prstGeom prst="rect">
+            <a:avLst/>
+          </a:prstGeom>
+        </p:spPr>
+      </p:pic>
+      <p:pic>
+        <p:nvPicPr>
+          <p:cNvPr id="7" name="Picture 6">
+            <a:extLst>
+              <a:ext uri="{FF2B5EF4-FFF2-40B4-BE49-F238E27FC236}">
+                <a16:creationId xmlns:a16="http://schemas.microsoft.com/office/drawing/2014/main" id="{C213CD6B-3F1D-2440-B324-8859DDED5B17}"/>
+              </a:ext>
+            </a:extLst>
+          </p:cNvPr>
+          <p:cNvPicPr>
+            <a:picLocks noChangeAspect="1"/>
+          </p:cNvPicPr>
+          <p:nvPr/>
+        </p:nvPicPr>
+        <p:blipFill>
+          <a:blip r:embed="rId5"/>
+          <a:stretch>
+            <a:fillRect/>
+          </a:stretch>
+        </p:blipFill>
+        <p:spPr>
+          <a:xfrm>
+            <a:off x="7050531" y="2054797"/>
+            <a:ext cx="1422400" cy="1422400"/>
+          </a:xfrm>
+          <a:prstGeom prst="rect">
+            <a:avLst/>
+          </a:prstGeom>
+        </p:spPr>
+      </p:pic>
     </p:spTree>
     <p:extLst>
       <p:ext uri="{BB962C8B-B14F-4D97-AF65-F5344CB8AC3E}">
@@ -4974,6 +5527,389 @@
   <p:clrMapOvr>
     <a:masterClrMapping/>
   </p:clrMapOvr>
+  <p:timing>
+    <p:tnLst>
+      <p:par>
+        <p:cTn id="1" dur="indefinite" restart="never" nodeType="tmRoot">
+          <p:childTnLst>
+            <p:seq concurrent="1" nextAc="seek">
+              <p:cTn id="2" dur="indefinite" nodeType="mainSeq">
+                <p:childTnLst>
+                  <p:par>
+                    <p:cTn id="3" fill="hold">
+                      <p:stCondLst>
+                        <p:cond delay="indefinite"/>
+                      </p:stCondLst>
+                      <p:childTnLst>
+                        <p:par>
+                          <p:cTn id="4" fill="hold">
+                            <p:stCondLst>
+                              <p:cond delay="0"/>
+                            </p:stCondLst>
+                            <p:childTnLst>
+                              <p:par>
+                                <p:cTn id="5" presetID="1" presetClass="entr" presetSubtype="0" fill="hold" nodeType="clickEffect">
+                                  <p:stCondLst>
+                                    <p:cond delay="0"/>
+                                  </p:stCondLst>
+                                  <p:childTnLst>
+                                    <p:set>
+                                      <p:cBhvr>
+                                        <p:cTn id="6" dur="1" fill="hold">
+                                          <p:stCondLst>
+                                            <p:cond delay="0"/>
+                                          </p:stCondLst>
+                                        </p:cTn>
+                                        <p:tgtEl>
+                                          <p:spTgt spid="3">
+                                            <p:txEl>
+                                              <p:pRg st="0" end="0"/>
+                                            </p:txEl>
+                                          </p:spTgt>
+                                        </p:tgtEl>
+                                        <p:attrNameLst>
+                                          <p:attrName>style.visibility</p:attrName>
+                                        </p:attrNameLst>
+                                      </p:cBhvr>
+                                      <p:to>
+                                        <p:strVal val="visible"/>
+                                      </p:to>
+                                    </p:set>
+                                  </p:childTnLst>
+                                </p:cTn>
+                              </p:par>
+                            </p:childTnLst>
+                          </p:cTn>
+                        </p:par>
+                      </p:childTnLst>
+                    </p:cTn>
+                  </p:par>
+                  <p:par>
+                    <p:cTn id="7" fill="hold">
+                      <p:stCondLst>
+                        <p:cond delay="indefinite"/>
+                      </p:stCondLst>
+                      <p:childTnLst>
+                        <p:par>
+                          <p:cTn id="8" fill="hold">
+                            <p:stCondLst>
+                              <p:cond delay="0"/>
+                            </p:stCondLst>
+                            <p:childTnLst>
+                              <p:par>
+                                <p:cTn id="9" presetID="1" presetClass="entr" presetSubtype="0" fill="hold" nodeType="clickEffect">
+                                  <p:stCondLst>
+                                    <p:cond delay="0"/>
+                                  </p:stCondLst>
+                                  <p:childTnLst>
+                                    <p:set>
+                                      <p:cBhvr>
+                                        <p:cTn id="10" dur="1" fill="hold">
+                                          <p:stCondLst>
+                                            <p:cond delay="0"/>
+                                          </p:stCondLst>
+                                        </p:cTn>
+                                        <p:tgtEl>
+                                          <p:spTgt spid="3">
+                                            <p:txEl>
+                                              <p:pRg st="2" end="2"/>
+                                            </p:txEl>
+                                          </p:spTgt>
+                                        </p:tgtEl>
+                                        <p:attrNameLst>
+                                          <p:attrName>style.visibility</p:attrName>
+                                        </p:attrNameLst>
+                                      </p:cBhvr>
+                                      <p:to>
+                                        <p:strVal val="visible"/>
+                                      </p:to>
+                                    </p:set>
+                                  </p:childTnLst>
+                                </p:cTn>
+                              </p:par>
+                            </p:childTnLst>
+                          </p:cTn>
+                        </p:par>
+                      </p:childTnLst>
+                    </p:cTn>
+                  </p:par>
+                  <p:par>
+                    <p:cTn id="11" fill="hold">
+                      <p:stCondLst>
+                        <p:cond delay="indefinite"/>
+                      </p:stCondLst>
+                      <p:childTnLst>
+                        <p:par>
+                          <p:cTn id="12" fill="hold">
+                            <p:stCondLst>
+                              <p:cond delay="0"/>
+                            </p:stCondLst>
+                            <p:childTnLst>
+                              <p:par>
+                                <p:cTn id="13" presetID="1" presetClass="entr" presetSubtype="0" fill="hold" nodeType="clickEffect">
+                                  <p:stCondLst>
+                                    <p:cond delay="0"/>
+                                  </p:stCondLst>
+                                  <p:childTnLst>
+                                    <p:set>
+                                      <p:cBhvr>
+                                        <p:cTn id="14" dur="1" fill="hold">
+                                          <p:stCondLst>
+                                            <p:cond delay="0"/>
+                                          </p:stCondLst>
+                                        </p:cTn>
+                                        <p:tgtEl>
+                                          <p:spTgt spid="3">
+                                            <p:txEl>
+                                              <p:pRg st="3" end="3"/>
+                                            </p:txEl>
+                                          </p:spTgt>
+                                        </p:tgtEl>
+                                        <p:attrNameLst>
+                                          <p:attrName>style.visibility</p:attrName>
+                                        </p:attrNameLst>
+                                      </p:cBhvr>
+                                      <p:to>
+                                        <p:strVal val="visible"/>
+                                      </p:to>
+                                    </p:set>
+                                  </p:childTnLst>
+                                </p:cTn>
+                              </p:par>
+                              <p:par>
+                                <p:cTn id="15" presetID="1" presetClass="entr" presetSubtype="0" fill="hold" nodeType="withEffect">
+                                  <p:stCondLst>
+                                    <p:cond delay="0"/>
+                                  </p:stCondLst>
+                                  <p:childTnLst>
+                                    <p:set>
+                                      <p:cBhvr>
+                                        <p:cTn id="16" dur="1" fill="hold">
+                                          <p:stCondLst>
+                                            <p:cond delay="0"/>
+                                          </p:stCondLst>
+                                        </p:cTn>
+                                        <p:tgtEl>
+                                          <p:spTgt spid="5"/>
+                                        </p:tgtEl>
+                                        <p:attrNameLst>
+                                          <p:attrName>style.visibility</p:attrName>
+                                        </p:attrNameLst>
+                                      </p:cBhvr>
+                                      <p:to>
+                                        <p:strVal val="visible"/>
+                                      </p:to>
+                                    </p:set>
+                                  </p:childTnLst>
+                                </p:cTn>
+                              </p:par>
+                            </p:childTnLst>
+                          </p:cTn>
+                        </p:par>
+                      </p:childTnLst>
+                    </p:cTn>
+                  </p:par>
+                  <p:par>
+                    <p:cTn id="17" fill="hold">
+                      <p:stCondLst>
+                        <p:cond delay="indefinite"/>
+                      </p:stCondLst>
+                      <p:childTnLst>
+                        <p:par>
+                          <p:cTn id="18" fill="hold">
+                            <p:stCondLst>
+                              <p:cond delay="0"/>
+                            </p:stCondLst>
+                            <p:childTnLst>
+                              <p:par>
+                                <p:cTn id="19" presetID="1" presetClass="entr" presetSubtype="0" fill="hold" nodeType="clickEffect">
+                                  <p:stCondLst>
+                                    <p:cond delay="0"/>
+                                  </p:stCondLst>
+                                  <p:childTnLst>
+                                    <p:set>
+                                      <p:cBhvr>
+                                        <p:cTn id="20" dur="1" fill="hold">
+                                          <p:stCondLst>
+                                            <p:cond delay="0"/>
+                                          </p:stCondLst>
+                                        </p:cTn>
+                                        <p:tgtEl>
+                                          <p:spTgt spid="3">
+                                            <p:txEl>
+                                              <p:pRg st="4" end="4"/>
+                                            </p:txEl>
+                                          </p:spTgt>
+                                        </p:tgtEl>
+                                        <p:attrNameLst>
+                                          <p:attrName>style.visibility</p:attrName>
+                                        </p:attrNameLst>
+                                      </p:cBhvr>
+                                      <p:to>
+                                        <p:strVal val="visible"/>
+                                      </p:to>
+                                    </p:set>
+                                  </p:childTnLst>
+                                </p:cTn>
+                              </p:par>
+                              <p:par>
+                                <p:cTn id="21" presetID="1" presetClass="entr" presetSubtype="0" fill="hold" nodeType="withEffect">
+                                  <p:stCondLst>
+                                    <p:cond delay="0"/>
+                                  </p:stCondLst>
+                                  <p:childTnLst>
+                                    <p:set>
+                                      <p:cBhvr>
+                                        <p:cTn id="22" dur="1" fill="hold">
+                                          <p:stCondLst>
+                                            <p:cond delay="0"/>
+                                          </p:stCondLst>
+                                        </p:cTn>
+                                        <p:tgtEl>
+                                          <p:spTgt spid="6"/>
+                                        </p:tgtEl>
+                                        <p:attrNameLst>
+                                          <p:attrName>style.visibility</p:attrName>
+                                        </p:attrNameLst>
+                                      </p:cBhvr>
+                                      <p:to>
+                                        <p:strVal val="visible"/>
+                                      </p:to>
+                                    </p:set>
+                                  </p:childTnLst>
+                                </p:cTn>
+                              </p:par>
+                            </p:childTnLst>
+                          </p:cTn>
+                        </p:par>
+                      </p:childTnLst>
+                    </p:cTn>
+                  </p:par>
+                  <p:par>
+                    <p:cTn id="23" fill="hold">
+                      <p:stCondLst>
+                        <p:cond delay="indefinite"/>
+                      </p:stCondLst>
+                      <p:childTnLst>
+                        <p:par>
+                          <p:cTn id="24" fill="hold">
+                            <p:stCondLst>
+                              <p:cond delay="0"/>
+                            </p:stCondLst>
+                            <p:childTnLst>
+                              <p:par>
+                                <p:cTn id="25" presetID="1" presetClass="entr" presetSubtype="0" fill="hold" nodeType="clickEffect">
+                                  <p:stCondLst>
+                                    <p:cond delay="0"/>
+                                  </p:stCondLst>
+                                  <p:childTnLst>
+                                    <p:set>
+                                      <p:cBhvr>
+                                        <p:cTn id="26" dur="1" fill="hold">
+                                          <p:stCondLst>
+                                            <p:cond delay="0"/>
+                                          </p:stCondLst>
+                                        </p:cTn>
+                                        <p:tgtEl>
+                                          <p:spTgt spid="3">
+                                            <p:txEl>
+                                              <p:pRg st="5" end="5"/>
+                                            </p:txEl>
+                                          </p:spTgt>
+                                        </p:tgtEl>
+                                        <p:attrNameLst>
+                                          <p:attrName>style.visibility</p:attrName>
+                                        </p:attrNameLst>
+                                      </p:cBhvr>
+                                      <p:to>
+                                        <p:strVal val="visible"/>
+                                      </p:to>
+                                    </p:set>
+                                  </p:childTnLst>
+                                </p:cTn>
+                              </p:par>
+                              <p:par>
+                                <p:cTn id="27" presetID="1" presetClass="entr" presetSubtype="0" fill="hold" nodeType="withEffect">
+                                  <p:stCondLst>
+                                    <p:cond delay="0"/>
+                                  </p:stCondLst>
+                                  <p:childTnLst>
+                                    <p:set>
+                                      <p:cBhvr>
+                                        <p:cTn id="28" dur="1" fill="hold">
+                                          <p:stCondLst>
+                                            <p:cond delay="0"/>
+                                          </p:stCondLst>
+                                        </p:cTn>
+                                        <p:tgtEl>
+                                          <p:spTgt spid="4"/>
+                                        </p:tgtEl>
+                                        <p:attrNameLst>
+                                          <p:attrName>style.visibility</p:attrName>
+                                        </p:attrNameLst>
+                                      </p:cBhvr>
+                                      <p:to>
+                                        <p:strVal val="visible"/>
+                                      </p:to>
+                                    </p:set>
+                                  </p:childTnLst>
+                                </p:cTn>
+                              </p:par>
+                              <p:par>
+                                <p:cTn id="29" presetID="1" presetClass="entr" presetSubtype="0" fill="hold" nodeType="withEffect">
+                                  <p:stCondLst>
+                                    <p:cond delay="0"/>
+                                  </p:stCondLst>
+                                  <p:childTnLst>
+                                    <p:set>
+                                      <p:cBhvr>
+                                        <p:cTn id="30" dur="1" fill="hold">
+                                          <p:stCondLst>
+                                            <p:cond delay="0"/>
+                                          </p:stCondLst>
+                                        </p:cTn>
+                                        <p:tgtEl>
+                                          <p:spTgt spid="7"/>
+                                        </p:tgtEl>
+                                        <p:attrNameLst>
+                                          <p:attrName>style.visibility</p:attrName>
+                                        </p:attrNameLst>
+                                      </p:cBhvr>
+                                      <p:to>
+                                        <p:strVal val="visible"/>
+                                      </p:to>
+                                    </p:set>
+                                  </p:childTnLst>
+                                </p:cTn>
+                              </p:par>
+                            </p:childTnLst>
+                          </p:cTn>
+                        </p:par>
+                      </p:childTnLst>
+                    </p:cTn>
+                  </p:par>
+                </p:childTnLst>
+              </p:cTn>
+              <p:prevCondLst>
+                <p:cond evt="onPrev" delay="0">
+                  <p:tgtEl>
+                    <p:sldTgt/>
+                  </p:tgtEl>
+                </p:cond>
+              </p:prevCondLst>
+              <p:nextCondLst>
+                <p:cond evt="onNext" delay="0">
+                  <p:tgtEl>
+                    <p:sldTgt/>
+                  </p:tgtEl>
+                </p:cond>
+              </p:nextCondLst>
+            </p:seq>
+          </p:childTnLst>
+        </p:cTn>
+      </p:par>
+    </p:tnLst>
+  </p:timing>
 </p:sld>
 </file>
 
@@ -5024,7 +5960,7 @@
           <a:p>
             <a:r>
               <a:rPr lang="en-IE" sz="3200" dirty="0"/>
-              <a:t>3. Possible Improvements to the Project</a:t>
+              <a:t>3. Future Work</a:t>
             </a:r>
           </a:p>
         </p:txBody>
@@ -5068,6 +6004,25 @@
               <a:rPr lang="en-IE" sz="1800" dirty="0"/>
               <a:t>By using a linked list of routers instead of arrays, the program would be able to adopt a topology with any number of routers by reading from the topology file.</a:t>
             </a:r>
+          </a:p>
+          <a:p>
+            <a:r>
+              <a:rPr lang="en-IE" sz="1800" b="1" dirty="0"/>
+              <a:t>Running the routers in different hosts</a:t>
+            </a:r>
+          </a:p>
+          <a:p>
+            <a:pPr lvl="1"/>
+            <a:r>
+              <a:rPr lang="en-IE" sz="1800" dirty="0"/>
+              <a:t>Boost library makes this a very easy task.</a:t>
+            </a:r>
+          </a:p>
+          <a:p>
+            <a:pPr marL="457200" lvl="1" indent="0">
+              <a:buNone/>
+            </a:pPr>
+            <a:endParaRPr lang="en-IE" sz="1800" dirty="0"/>
           </a:p>
           <a:p>
             <a:endParaRPr lang="en-IE" sz="1800" dirty="0"/>
@@ -5084,6 +6039,196 @@
   <p:clrMapOvr>
     <a:masterClrMapping/>
   </p:clrMapOvr>
+  <p:timing>
+    <p:tnLst>
+      <p:par>
+        <p:cTn id="1" dur="indefinite" restart="never" nodeType="tmRoot">
+          <p:childTnLst>
+            <p:seq concurrent="1" nextAc="seek">
+              <p:cTn id="2" dur="indefinite" nodeType="mainSeq">
+                <p:childTnLst>
+                  <p:par>
+                    <p:cTn id="3" fill="hold">
+                      <p:stCondLst>
+                        <p:cond delay="indefinite"/>
+                      </p:stCondLst>
+                      <p:childTnLst>
+                        <p:par>
+                          <p:cTn id="4" fill="hold">
+                            <p:stCondLst>
+                              <p:cond delay="0"/>
+                            </p:stCondLst>
+                            <p:childTnLst>
+                              <p:par>
+                                <p:cTn id="5" presetID="1" presetClass="entr" presetSubtype="0" fill="hold" nodeType="clickEffect">
+                                  <p:stCondLst>
+                                    <p:cond delay="0"/>
+                                  </p:stCondLst>
+                                  <p:childTnLst>
+                                    <p:set>
+                                      <p:cBhvr>
+                                        <p:cTn id="6" dur="1" fill="hold">
+                                          <p:stCondLst>
+                                            <p:cond delay="0"/>
+                                          </p:stCondLst>
+                                        </p:cTn>
+                                        <p:tgtEl>
+                                          <p:spTgt spid="3">
+                                            <p:txEl>
+                                              <p:pRg st="0" end="0"/>
+                                            </p:txEl>
+                                          </p:spTgt>
+                                        </p:tgtEl>
+                                        <p:attrNameLst>
+                                          <p:attrName>style.visibility</p:attrName>
+                                        </p:attrNameLst>
+                                      </p:cBhvr>
+                                      <p:to>
+                                        <p:strVal val="visible"/>
+                                      </p:to>
+                                    </p:set>
+                                  </p:childTnLst>
+                                </p:cTn>
+                              </p:par>
+                              <p:par>
+                                <p:cTn id="7" presetID="1" presetClass="entr" presetSubtype="0" fill="hold" nodeType="withEffect">
+                                  <p:stCondLst>
+                                    <p:cond delay="0"/>
+                                  </p:stCondLst>
+                                  <p:childTnLst>
+                                    <p:set>
+                                      <p:cBhvr>
+                                        <p:cTn id="8" dur="1" fill="hold">
+                                          <p:stCondLst>
+                                            <p:cond delay="0"/>
+                                          </p:stCondLst>
+                                        </p:cTn>
+                                        <p:tgtEl>
+                                          <p:spTgt spid="3">
+                                            <p:txEl>
+                                              <p:pRg st="1" end="1"/>
+                                            </p:txEl>
+                                          </p:spTgt>
+                                        </p:tgtEl>
+                                        <p:attrNameLst>
+                                          <p:attrName>style.visibility</p:attrName>
+                                        </p:attrNameLst>
+                                      </p:cBhvr>
+                                      <p:to>
+                                        <p:strVal val="visible"/>
+                                      </p:to>
+                                    </p:set>
+                                  </p:childTnLst>
+                                </p:cTn>
+                              </p:par>
+                            </p:childTnLst>
+                          </p:cTn>
+                        </p:par>
+                      </p:childTnLst>
+                    </p:cTn>
+                  </p:par>
+                  <p:par>
+                    <p:cTn id="9" fill="hold">
+                      <p:stCondLst>
+                        <p:cond delay="indefinite"/>
+                      </p:stCondLst>
+                      <p:childTnLst>
+                        <p:par>
+                          <p:cTn id="10" fill="hold">
+                            <p:stCondLst>
+                              <p:cond delay="0"/>
+                            </p:stCondLst>
+                            <p:childTnLst>
+                              <p:par>
+                                <p:cTn id="11" presetID="1" presetClass="entr" presetSubtype="0" fill="hold" nodeType="clickEffect">
+                                  <p:stCondLst>
+                                    <p:cond delay="0"/>
+                                  </p:stCondLst>
+                                  <p:childTnLst>
+                                    <p:set>
+                                      <p:cBhvr>
+                                        <p:cTn id="12" dur="1" fill="hold">
+                                          <p:stCondLst>
+                                            <p:cond delay="0"/>
+                                          </p:stCondLst>
+                                        </p:cTn>
+                                        <p:tgtEl>
+                                          <p:spTgt spid="3">
+                                            <p:txEl>
+                                              <p:pRg st="2" end="2"/>
+                                            </p:txEl>
+                                          </p:spTgt>
+                                        </p:tgtEl>
+                                        <p:attrNameLst>
+                                          <p:attrName>style.visibility</p:attrName>
+                                        </p:attrNameLst>
+                                      </p:cBhvr>
+                                      <p:to>
+                                        <p:strVal val="visible"/>
+                                      </p:to>
+                                    </p:set>
+                                  </p:childTnLst>
+                                </p:cTn>
+                              </p:par>
+                              <p:par>
+                                <p:cTn id="13" presetID="1" presetClass="entr" presetSubtype="0" fill="hold" nodeType="withEffect">
+                                  <p:stCondLst>
+                                    <p:cond delay="0"/>
+                                  </p:stCondLst>
+                                  <p:childTnLst>
+                                    <p:set>
+                                      <p:cBhvr>
+                                        <p:cTn id="14" dur="1" fill="hold">
+                                          <p:stCondLst>
+                                            <p:cond delay="0"/>
+                                          </p:stCondLst>
+                                        </p:cTn>
+                                        <p:tgtEl>
+                                          <p:spTgt spid="3">
+                                            <p:txEl>
+                                              <p:pRg st="3" end="3"/>
+                                            </p:txEl>
+                                          </p:spTgt>
+                                        </p:tgtEl>
+                                        <p:attrNameLst>
+                                          <p:attrName>style.visibility</p:attrName>
+                                        </p:attrNameLst>
+                                      </p:cBhvr>
+                                      <p:to>
+                                        <p:strVal val="visible"/>
+                                      </p:to>
+                                    </p:set>
+                                  </p:childTnLst>
+                                </p:cTn>
+                              </p:par>
+                            </p:childTnLst>
+                          </p:cTn>
+                        </p:par>
+                      </p:childTnLst>
+                    </p:cTn>
+                  </p:par>
+                </p:childTnLst>
+              </p:cTn>
+              <p:prevCondLst>
+                <p:cond evt="onPrev" delay="0">
+                  <p:tgtEl>
+                    <p:sldTgt/>
+                  </p:tgtEl>
+                </p:cond>
+              </p:prevCondLst>
+              <p:nextCondLst>
+                <p:cond evt="onNext" delay="0">
+                  <p:tgtEl>
+                    <p:sldTgt/>
+                  </p:tgtEl>
+                </p:cond>
+              </p:nextCondLst>
+            </p:seq>
+          </p:childTnLst>
+        </p:cTn>
+      </p:par>
+    </p:tnLst>
+  </p:timing>
 </p:sld>
 </file>
 
